--- a/허종원/OpenDDS.pptx
+++ b/허종원/OpenDDS.pptx
@@ -15,12 +15,12 @@
     <p:sldId id="446" r:id="rId6"/>
     <p:sldId id="447" r:id="rId7"/>
     <p:sldId id="445" r:id="rId8"/>
-    <p:sldId id="449" r:id="rId9"/>
-    <p:sldId id="450" r:id="rId10"/>
-    <p:sldId id="451" r:id="rId11"/>
-    <p:sldId id="452" r:id="rId12"/>
-    <p:sldId id="453" r:id="rId13"/>
-    <p:sldId id="454" r:id="rId14"/>
+    <p:sldId id="450" r:id="rId9"/>
+    <p:sldId id="451" r:id="rId10"/>
+    <p:sldId id="452" r:id="rId11"/>
+    <p:sldId id="453" r:id="rId12"/>
+    <p:sldId id="454" r:id="rId13"/>
+    <p:sldId id="455" r:id="rId14"/>
   </p:sldIdLst>
   <p:sldSz cx="9906000" cy="6858000" type="A4"/>
   <p:notesSz cx="6858000" cy="9144000"/>
@@ -141,7 +141,7 @@
 <file path=ppt/revisionInfo.xml><?xml version="1.0" encoding="utf-8"?>
 <p1510:revInfo xmlns:a="http://schemas.openxmlformats.org/drawingml/2006/main" xmlns:r="http://schemas.openxmlformats.org/officeDocument/2006/relationships" xmlns:p1510="http://schemas.microsoft.com/office/powerpoint/2015/10/main">
   <p1510:revLst>
-    <p1510:client id="{CE2B451C-EF47-CC46-96C6-9143E67CD2FE}" v="15" dt="2024-06-13T04:47:27.759"/>
+    <p1510:client id="{CE2B451C-EF47-CC46-96C6-9143E67CD2FE}" v="23" dt="2024-06-13T05:00:56.855"/>
   </p1510:revLst>
 </p1510:revInfo>
 </file>
@@ -150,19 +150,34 @@
 <pc:chgInfo xmlns:a="http://schemas.openxmlformats.org/drawingml/2006/main" xmlns:r="http://schemas.openxmlformats.org/officeDocument/2006/relationships" xmlns:ac="http://schemas.microsoft.com/office/drawing/2013/main/command" xmlns:pc="http://schemas.microsoft.com/office/powerpoint/2013/main/command">
   <pc:docChgLst>
     <pc:chgData name="종원 허" userId="b71225b2ad03c34e" providerId="LiveId" clId="{CE2B451C-EF47-CC46-96C6-9143E67CD2FE}"/>
-    <pc:docChg chg="undo custSel addSld modSld">
-      <pc:chgData name="종원 허" userId="b71225b2ad03c34e" providerId="LiveId" clId="{CE2B451C-EF47-CC46-96C6-9143E67CD2FE}" dt="2024-06-13T04:48:13.249" v="219" actId="20577"/>
+    <pc:docChg chg="undo custSel addSld delSld modSld">
+      <pc:chgData name="종원 허" userId="b71225b2ad03c34e" providerId="LiveId" clId="{CE2B451C-EF47-CC46-96C6-9143E67CD2FE}" dt="2024-06-13T05:00:56.855" v="309"/>
       <pc:docMkLst>
         <pc:docMk/>
       </pc:docMkLst>
+      <pc:sldChg chg="del">
+        <pc:chgData name="종원 허" userId="b71225b2ad03c34e" providerId="LiveId" clId="{CE2B451C-EF47-CC46-96C6-9143E67CD2FE}" dt="2024-06-13T04:56:56.257" v="281" actId="2696"/>
+        <pc:sldMkLst>
+          <pc:docMk/>
+          <pc:sldMk cId="4114971700" sldId="449"/>
+        </pc:sldMkLst>
+      </pc:sldChg>
       <pc:sldChg chg="modSp mod">
-        <pc:chgData name="종원 허" userId="b71225b2ad03c34e" providerId="LiveId" clId="{CE2B451C-EF47-CC46-96C6-9143E67CD2FE}" dt="2024-06-13T04:23:53.169" v="21" actId="20577"/>
+        <pc:chgData name="종원 허" userId="b71225b2ad03c34e" providerId="LiveId" clId="{CE2B451C-EF47-CC46-96C6-9143E67CD2FE}" dt="2024-06-13T04:56:39.965" v="280" actId="20577"/>
         <pc:sldMkLst>
           <pc:docMk/>
           <pc:sldMk cId="3757055025" sldId="452"/>
         </pc:sldMkLst>
         <pc:spChg chg="mod">
-          <ac:chgData name="종원 허" userId="b71225b2ad03c34e" providerId="LiveId" clId="{CE2B451C-EF47-CC46-96C6-9143E67CD2FE}" dt="2024-06-13T04:22:57.835" v="12" actId="1076"/>
+          <ac:chgData name="종원 허" userId="b71225b2ad03c34e" providerId="LiveId" clId="{CE2B451C-EF47-CC46-96C6-9143E67CD2FE}" dt="2024-06-13T04:56:39.965" v="280" actId="20577"/>
+          <ac:spMkLst>
+            <pc:docMk/>
+            <pc:sldMk cId="3757055025" sldId="452"/>
+            <ac:spMk id="2" creationId="{793DBCE2-5D69-8ED7-521B-6CFC11D8FF3C}"/>
+          </ac:spMkLst>
+        </pc:spChg>
+        <pc:spChg chg="mod">
+          <ac:chgData name="종원 허" userId="b71225b2ad03c34e" providerId="LiveId" clId="{CE2B451C-EF47-CC46-96C6-9143E67CD2FE}" dt="2024-06-13T04:56:33.917" v="271" actId="1076"/>
           <ac:spMkLst>
             <pc:docMk/>
             <pc:sldMk cId="3757055025" sldId="452"/>
@@ -170,7 +185,7 @@
           </ac:spMkLst>
         </pc:spChg>
         <pc:graphicFrameChg chg="mod modGraphic">
-          <ac:chgData name="종원 허" userId="b71225b2ad03c34e" providerId="LiveId" clId="{CE2B451C-EF47-CC46-96C6-9143E67CD2FE}" dt="2024-06-13T04:23:53.169" v="21" actId="20577"/>
+          <ac:chgData name="종원 허" userId="b71225b2ad03c34e" providerId="LiveId" clId="{CE2B451C-EF47-CC46-96C6-9143E67CD2FE}" dt="2024-06-13T04:56:32.083" v="270" actId="1076"/>
           <ac:graphicFrameMkLst>
             <pc:docMk/>
             <pc:sldMk cId="3757055025" sldId="452"/>
@@ -236,6 +251,29 @@
           <ac:graphicFrameMkLst>
             <pc:docMk/>
             <pc:sldMk cId="1924890528" sldId="454"/>
+            <ac:graphicFrameMk id="5" creationId="{8620BB0C-ACCE-D218-A764-BD8FB8E20DC9}"/>
+          </ac:graphicFrameMkLst>
+        </pc:graphicFrameChg>
+      </pc:sldChg>
+      <pc:sldChg chg="modSp add mod">
+        <pc:chgData name="종원 허" userId="b71225b2ad03c34e" providerId="LiveId" clId="{CE2B451C-EF47-CC46-96C6-9143E67CD2FE}" dt="2024-06-13T05:00:56.855" v="309"/>
+        <pc:sldMkLst>
+          <pc:docMk/>
+          <pc:sldMk cId="1191840641" sldId="455"/>
+        </pc:sldMkLst>
+        <pc:spChg chg="mod">
+          <ac:chgData name="종원 허" userId="b71225b2ad03c34e" providerId="LiveId" clId="{CE2B451C-EF47-CC46-96C6-9143E67CD2FE}" dt="2024-06-13T04:59:28.353" v="291" actId="20577"/>
+          <ac:spMkLst>
+            <pc:docMk/>
+            <pc:sldMk cId="1191840641" sldId="455"/>
+            <ac:spMk id="2" creationId="{01BAFFEF-FACB-D76B-307F-7FD69B6D5293}"/>
+          </ac:spMkLst>
+        </pc:spChg>
+        <pc:graphicFrameChg chg="mod modGraphic">
+          <ac:chgData name="종원 허" userId="b71225b2ad03c34e" providerId="LiveId" clId="{CE2B451C-EF47-CC46-96C6-9143E67CD2FE}" dt="2024-06-13T05:00:56.855" v="309"/>
+          <ac:graphicFrameMkLst>
+            <pc:docMk/>
+            <pc:sldMk cId="1191840641" sldId="455"/>
             <ac:graphicFrameMk id="5" creationId="{8620BB0C-ACCE-D218-A764-BD8FB8E20DC9}"/>
           </ac:graphicFrameMkLst>
         </pc:graphicFrameChg>
@@ -3463,302 +3501,6 @@
           <p:cNvPr id="2" name="제목 1">
             <a:extLst>
               <a:ext uri="{FF2B5EF4-FFF2-40B4-BE49-F238E27FC236}">
-                <a16:creationId xmlns:a16="http://schemas.microsoft.com/office/drawing/2014/main" id="{67C79E86-58A0-4DB2-90D8-AE3329A9A18C}"/>
-              </a:ext>
-            </a:extLst>
-          </p:cNvPr>
-          <p:cNvSpPr>
-            <a:spLocks noGrp="1"/>
-          </p:cNvSpPr>
-          <p:nvPr>
-            <p:ph type="title"/>
-          </p:nvPr>
-        </p:nvSpPr>
-        <p:spPr/>
-        <p:txBody>
-          <a:bodyPr/>
-          <a:lstStyle/>
-          <a:p>
-            <a:r>
-              <a:rPr kumimoji="1" lang="en-US" altLang="ko-KR" dirty="0"/>
-              <a:t>Gemini</a:t>
-            </a:r>
-            <a:endParaRPr kumimoji="1" lang="ko-KR" altLang="en-US" dirty="0"/>
-          </a:p>
-        </p:txBody>
-      </p:sp>
-      <p:sp>
-        <p:nvSpPr>
-          <p:cNvPr id="3" name="TextBox 2">
-            <a:extLst>
-              <a:ext uri="{FF2B5EF4-FFF2-40B4-BE49-F238E27FC236}">
-                <a16:creationId xmlns:a16="http://schemas.microsoft.com/office/drawing/2014/main" id="{69DDD09E-A0ED-25F4-30A2-73484D833583}"/>
-              </a:ext>
-            </a:extLst>
-          </p:cNvPr>
-          <p:cNvSpPr txBox="1"/>
-          <p:nvPr/>
-        </p:nvSpPr>
-        <p:spPr>
-          <a:xfrm>
-            <a:off x="478971" y="1121229"/>
-            <a:ext cx="8550729" cy="7848302"/>
-          </a:xfrm>
-          <a:prstGeom prst="rect">
-            <a:avLst/>
-          </a:prstGeom>
-          <a:noFill/>
-        </p:spPr>
-        <p:txBody>
-          <a:bodyPr wrap="square" rtlCol="0">
-            <a:spAutoFit/>
-          </a:bodyPr>
-          <a:lstStyle/>
-          <a:p>
-            <a:pPr>
-              <a:buFont typeface="Arial" panose="020B0604020202020204" pitchFamily="34" charset="0"/>
-              <a:buChar char="•"/>
-            </a:pPr>
-            <a:r>
-              <a:rPr lang="en" altLang="ko-KR" b="1" dirty="0" err="1"/>
-              <a:t>OpenDDS</a:t>
-            </a:r>
-            <a:r>
-              <a:rPr lang="en" altLang="ko-KR" b="1" dirty="0"/>
-              <a:t>:</a:t>
-            </a:r>
-            <a:r>
-              <a:rPr lang="en" altLang="ko-KR" dirty="0"/>
-              <a:t> This is a mature and widely used open-source implementation of the DDS standard. It's known for its reliability, performance, and support for various platforms. You can find more information here: </a:t>
-            </a:r>
-            <a:r>
-              <a:rPr lang="en" altLang="ko-KR" dirty="0">
-                <a:hlinkClick r:id="rId2"/>
-              </a:rPr>
-              <a:t>https://objectcomputing.com/download_file/view/4665</a:t>
-            </a:r>
-            <a:endParaRPr lang="en" altLang="ko-KR" dirty="0"/>
-          </a:p>
-          <a:p>
-            <a:pPr>
-              <a:buFont typeface="Arial" panose="020B0604020202020204" pitchFamily="34" charset="0"/>
-              <a:buChar char="•"/>
-            </a:pPr>
-            <a:r>
-              <a:rPr lang="en" altLang="ko-KR" b="1" dirty="0" err="1"/>
-              <a:t>eProsima</a:t>
-            </a:r>
-            <a:r>
-              <a:rPr lang="en" altLang="ko-KR" b="1" dirty="0"/>
-              <a:t> Fast DDS (formerly Fast RTPS):</a:t>
-            </a:r>
-            <a:r>
-              <a:rPr lang="en" altLang="ko-KR" dirty="0"/>
-              <a:t> This is another popular open-source DDS implementation known for its high performance and scalability. It's offered by </a:t>
-            </a:r>
-            <a:r>
-              <a:rPr lang="en" altLang="ko-KR" dirty="0" err="1"/>
-              <a:t>eProsima</a:t>
-            </a:r>
-            <a:r>
-              <a:rPr lang="en" altLang="ko-KR" dirty="0"/>
-              <a:t>, a company specializing in middleware solutions. While Fast DDS itself is open-source, </a:t>
-            </a:r>
-            <a:r>
-              <a:rPr lang="en" altLang="ko-KR" dirty="0" err="1"/>
-              <a:t>eProsima</a:t>
-            </a:r>
-            <a:r>
-              <a:rPr lang="en" altLang="ko-KR" dirty="0"/>
-              <a:t> offers additional commercial products and support around it.</a:t>
-            </a:r>
-          </a:p>
-          <a:p>
-            <a:pPr>
-              <a:buFont typeface="Arial" panose="020B0604020202020204" pitchFamily="34" charset="0"/>
-              <a:buChar char="•"/>
-            </a:pPr>
-            <a:r>
-              <a:rPr lang="en" altLang="ko-KR" b="1" dirty="0"/>
-              <a:t>Thales RTI </a:t>
-            </a:r>
-            <a:r>
-              <a:rPr lang="en" altLang="ko-KR" b="1" dirty="0" err="1"/>
-              <a:t>Connext</a:t>
-            </a:r>
-            <a:r>
-              <a:rPr lang="en" altLang="ko-KR" b="1" dirty="0"/>
-              <a:t> DDS Micro::</a:t>
-            </a:r>
-            <a:r>
-              <a:rPr lang="en" altLang="ko-KR" dirty="0"/>
-              <a:t>: This is a lightweight, open-source version of the commercial RTI </a:t>
-            </a:r>
-            <a:r>
-              <a:rPr lang="en" altLang="ko-KR" dirty="0" err="1"/>
-              <a:t>Connext</a:t>
-            </a:r>
-            <a:r>
-              <a:rPr lang="en" altLang="ko-KR" dirty="0"/>
-              <a:t> DDS product. It's designed for resource-constrained environments and offers a subset of the full </a:t>
-            </a:r>
-            <a:r>
-              <a:rPr lang="en" altLang="ko-KR" dirty="0" err="1"/>
-              <a:t>Connext</a:t>
-            </a:r>
-            <a:r>
-              <a:rPr lang="en" altLang="ko-KR" dirty="0"/>
-              <a:t> DDS feature set.</a:t>
-            </a:r>
-          </a:p>
-          <a:p>
-            <a:pPr>
-              <a:buFont typeface="Arial" panose="020B0604020202020204" pitchFamily="34" charset="0"/>
-              <a:buChar char="•"/>
-            </a:pPr>
-            <a:r>
-              <a:rPr lang="en" altLang="ko-KR" b="1" dirty="0"/>
-              <a:t>DDS-Router:</a:t>
-            </a:r>
-            <a:r>
-              <a:rPr lang="en" altLang="ko-KR" dirty="0"/>
-              <a:t> This is an open-source project from </a:t>
-            </a:r>
-            <a:r>
-              <a:rPr lang="en" altLang="ko-KR" dirty="0" err="1"/>
-              <a:t>eProsima</a:t>
-            </a:r>
-            <a:r>
-              <a:rPr lang="en" altLang="ko-KR" dirty="0"/>
-              <a:t> that provides routing capabilities for DDS communication. It allows you to connect multiple DDS domains and manage data flow between them.</a:t>
-            </a:r>
-          </a:p>
-          <a:p>
-            <a:pPr>
-              <a:buFont typeface="Arial" panose="020B0604020202020204" pitchFamily="34" charset="0"/>
-              <a:buChar char="•"/>
-            </a:pPr>
-            <a:r>
-              <a:rPr lang="en" altLang="ko-KR" b="1" dirty="0"/>
-              <a:t>Eclipse Cyclone DDS:</a:t>
-            </a:r>
-            <a:r>
-              <a:rPr lang="en" altLang="ko-KR" dirty="0"/>
-              <a:t> This is a relatively new open-source DDS implementation under development by the Eclipse Foundation. It aims to be a high-performance and feature-rich DDS solution.</a:t>
-            </a:r>
-          </a:p>
-          <a:p>
-            <a:r>
-              <a:rPr lang="en" altLang="ko-KR" b="1" dirty="0"/>
-              <a:t>Additionally:</a:t>
-            </a:r>
-            <a:endParaRPr lang="en" altLang="ko-KR" dirty="0"/>
-          </a:p>
-          <a:p>
-            <a:pPr>
-              <a:buFont typeface="Arial" panose="020B0604020202020204" pitchFamily="34" charset="0"/>
-              <a:buChar char="•"/>
-            </a:pPr>
-            <a:r>
-              <a:rPr lang="en" altLang="ko-KR" dirty="0"/>
-              <a:t>It's important to note that some commercial DDS vendors might offer open-source components or limited functionality free versions of their products.</a:t>
-            </a:r>
-          </a:p>
-          <a:p>
-            <a:pPr>
-              <a:buFont typeface="Arial" panose="020B0604020202020204" pitchFamily="34" charset="0"/>
-              <a:buChar char="•"/>
-            </a:pPr>
-            <a:r>
-              <a:rPr lang="en" altLang="ko-KR" dirty="0"/>
-              <a:t>The best open-source DDS product for you will depend on your specific needs and priorities. Consider factors like performance, feature set, ease of use, and community support when making your choice.</a:t>
-            </a:r>
-          </a:p>
-          <a:p>
-            <a:r>
-              <a:rPr lang="en" altLang="ko-KR" dirty="0"/>
-              <a:t>Here are some resources that can help you learn more about open-source DDS products:</a:t>
-            </a:r>
-          </a:p>
-          <a:p>
-            <a:pPr>
-              <a:buFont typeface="Arial" panose="020B0604020202020204" pitchFamily="34" charset="0"/>
-              <a:buChar char="•"/>
-            </a:pPr>
-            <a:r>
-              <a:rPr lang="en" altLang="ko-KR" b="1" dirty="0"/>
-              <a:t>DDS Foundation:</a:t>
-            </a:r>
-            <a:r>
-              <a:rPr lang="en" altLang="ko-KR" dirty="0"/>
-              <a:t> This organization promotes the DDS standard and provides a vendor directory: </a:t>
-            </a:r>
-            <a:r>
-              <a:rPr lang="en" altLang="ko-KR" dirty="0">
-                <a:hlinkClick r:id="rId3"/>
-              </a:rPr>
-              <a:t>https://dds.georgia.gov/</a:t>
-            </a:r>
-            <a:endParaRPr lang="en" altLang="ko-KR" dirty="0"/>
-          </a:p>
-          <a:p>
-            <a:pPr>
-              <a:buFont typeface="Arial" panose="020B0604020202020204" pitchFamily="34" charset="0"/>
-              <a:buChar char="•"/>
-            </a:pPr>
-            <a:r>
-              <a:rPr lang="en" altLang="ko-KR" b="1" dirty="0"/>
-              <a:t>Eclipse Cyclone DDS website:</a:t>
-            </a:r>
-            <a:r>
-              <a:rPr lang="en" altLang="ko-KR" dirty="0"/>
-              <a:t> </a:t>
-            </a:r>
-            <a:r>
-              <a:rPr lang="en" altLang="ko-KR" dirty="0">
-                <a:hlinkClick r:id="rId4"/>
-              </a:rPr>
-              <a:t>https://cyclonedds.io/</a:t>
-            </a:r>
-            <a:endParaRPr lang="en" altLang="ko-KR" dirty="0"/>
-          </a:p>
-        </p:txBody>
-      </p:sp>
-    </p:spTree>
-    <p:extLst>
-      <p:ext uri="{BB962C8B-B14F-4D97-AF65-F5344CB8AC3E}">
-        <p14:creationId xmlns:p14="http://schemas.microsoft.com/office/powerpoint/2010/main" val="1862080343"/>
-      </p:ext>
-    </p:extLst>
-  </p:cSld>
-  <p:clrMapOvr>
-    <a:masterClrMapping/>
-  </p:clrMapOvr>
-</p:sld>
-</file>
-
-<file path=ppt/slides/slide11.xml><?xml version="1.0" encoding="utf-8"?>
-<p:sld xmlns:a="http://schemas.openxmlformats.org/drawingml/2006/main" xmlns:r="http://schemas.openxmlformats.org/officeDocument/2006/relationships" xmlns:p="http://schemas.openxmlformats.org/presentationml/2006/main">
-  <p:cSld>
-    <p:spTree>
-      <p:nvGrpSpPr>
-        <p:cNvPr id="1" name=""/>
-        <p:cNvGrpSpPr/>
-        <p:nvPr/>
-      </p:nvGrpSpPr>
-      <p:grpSpPr>
-        <a:xfrm>
-          <a:off x="0" y="0"/>
-          <a:ext cx="0" cy="0"/>
-          <a:chOff x="0" y="0"/>
-          <a:chExt cx="0" cy="0"/>
-        </a:xfrm>
-      </p:grpSpPr>
-      <p:sp>
-        <p:nvSpPr>
-          <p:cNvPr id="2" name="제목 1">
-            <a:extLst>
-              <a:ext uri="{FF2B5EF4-FFF2-40B4-BE49-F238E27FC236}">
                 <a16:creationId xmlns:a16="http://schemas.microsoft.com/office/drawing/2014/main" id="{793DBCE2-5D69-8ED7-521B-6CFC11D8FF3C}"/>
               </a:ext>
             </a:extLst>
@@ -3775,7 +3517,11 @@
           <a:bodyPr/>
           <a:lstStyle/>
           <a:p>
-            <a:endParaRPr kumimoji="1" lang="ko-KR" altLang="en-US"/>
+            <a:r>
+              <a:rPr kumimoji="1" lang="en-US" altLang="ko-KR" dirty="0"/>
+              <a:t>Major DDS</a:t>
+            </a:r>
+            <a:endParaRPr kumimoji="1" lang="ko-KR" altLang="en-US" dirty="0"/>
           </a:p>
         </p:txBody>
       </p:sp>
@@ -3793,7 +3539,7 @@
         </p:nvSpPr>
         <p:spPr>
           <a:xfrm>
-            <a:off x="721952" y="1240971"/>
+            <a:off x="680720" y="1034533"/>
             <a:ext cx="8679812" cy="369332"/>
           </a:xfrm>
           <a:prstGeom prst="rect">
@@ -3830,13 +3576,13 @@
           <p:nvPr>
             <p:extLst>
               <p:ext uri="{D42A27DB-BD31-4B8C-83A1-F6EECF244321}">
-                <p14:modId xmlns:p14="http://schemas.microsoft.com/office/powerpoint/2010/main" val="405691263"/>
+                <p14:modId xmlns:p14="http://schemas.microsoft.com/office/powerpoint/2010/main" val="1049269331"/>
               </p:ext>
             </p:extLst>
           </p:nvPr>
         </p:nvGraphicFramePr>
         <p:xfrm>
-          <a:off x="304799" y="1838904"/>
+          <a:off x="304799" y="1425637"/>
           <a:ext cx="9296401" cy="4785360"/>
         </p:xfrm>
         <a:graphic>
@@ -4194,6 +3940,38 @@
                     <a:lstStyle/>
                     <a:p>
                       <a:pPr algn="ctr" latinLnBrk="1"/>
+                      <a:r>
+                        <a:rPr lang="en-US" altLang="ko-KR" sz="1600" dirty="0"/>
+                        <a:t>Linux</a:t>
+                      </a:r>
+                      <a:br>
+                        <a:rPr lang="en-US" altLang="ko-KR" sz="1600" dirty="0"/>
+                      </a:br>
+                      <a:r>
+                        <a:rPr lang="en-US" altLang="ko-KR" sz="1600" dirty="0"/>
+                        <a:t>Windows</a:t>
+                      </a:r>
+                      <a:br>
+                        <a:rPr lang="en-US" altLang="ko-KR" sz="1600" dirty="0"/>
+                      </a:br>
+                      <a:r>
+                        <a:rPr lang="en-US" altLang="ko-KR" sz="1600" dirty="0"/>
+                        <a:t>MacOS</a:t>
+                      </a:r>
+                      <a:br>
+                        <a:rPr lang="en-US" altLang="ko-KR" sz="1600" dirty="0"/>
+                      </a:br>
+                      <a:r>
+                        <a:rPr lang="en-US" altLang="ko-KR" sz="1600" dirty="0" err="1"/>
+                        <a:t>FreeRTOS</a:t>
+                      </a:r>
+                      <a:br>
+                        <a:rPr lang="en-US" altLang="ko-KR" sz="1600" dirty="0"/>
+                      </a:br>
+                      <a:r>
+                        <a:rPr lang="en-US" altLang="ko-KR" sz="1600" dirty="0"/>
+                        <a:t>etc.</a:t>
+                      </a:r>
                       <a:endParaRPr lang="ko-KR" altLang="en-US" sz="1600" dirty="0"/>
                     </a:p>
                   </a:txBody>
@@ -4302,6 +4080,10 @@
                     <a:lstStyle/>
                     <a:p>
                       <a:pPr algn="ctr" latinLnBrk="1"/>
+                      <a:r>
+                        <a:rPr lang="en-US" altLang="ko-KR" sz="1600" dirty="0"/>
+                        <a:t>Most</a:t>
+                      </a:r>
                       <a:endParaRPr lang="ko-KR" altLang="en-US" sz="1600" dirty="0"/>
                     </a:p>
                   </a:txBody>
@@ -4708,7 +4490,7 @@
 </p:sld>
 </file>
 
-<file path=ppt/slides/slide12.xml><?xml version="1.0" encoding="utf-8"?>
+<file path=ppt/slides/slide11.xml><?xml version="1.0" encoding="utf-8"?>
 <p:sld xmlns:a="http://schemas.openxmlformats.org/drawingml/2006/main" xmlns:r="http://schemas.openxmlformats.org/officeDocument/2006/relationships" xmlns:p="http://schemas.openxmlformats.org/presentationml/2006/main">
   <p:cSld>
     <p:spTree>
@@ -5539,7 +5321,7 @@
 </p:sld>
 </file>
 
-<file path=ppt/slides/slide13.xml><?xml version="1.0" encoding="utf-8"?>
+<file path=ppt/slides/slide12.xml><?xml version="1.0" encoding="utf-8"?>
 <p:sld xmlns:a="http://schemas.openxmlformats.org/drawingml/2006/main" xmlns:r="http://schemas.openxmlformats.org/officeDocument/2006/relationships" xmlns:p="http://schemas.openxmlformats.org/presentationml/2006/main">
   <p:cSld>
     <p:spTree>
@@ -6381,6 +6163,877 @@
     <p:extLst>
       <p:ext uri="{BB962C8B-B14F-4D97-AF65-F5344CB8AC3E}">
         <p14:creationId xmlns:p14="http://schemas.microsoft.com/office/powerpoint/2010/main" val="1924890528"/>
+      </p:ext>
+    </p:extLst>
+  </p:cSld>
+  <p:clrMapOvr>
+    <a:masterClrMapping/>
+  </p:clrMapOvr>
+</p:sld>
+</file>
+
+<file path=ppt/slides/slide13.xml><?xml version="1.0" encoding="utf-8"?>
+<p:sld xmlns:a="http://schemas.openxmlformats.org/drawingml/2006/main" xmlns:r="http://schemas.openxmlformats.org/officeDocument/2006/relationships" xmlns:p="http://schemas.openxmlformats.org/presentationml/2006/main">
+  <p:cSld>
+    <p:spTree>
+      <p:nvGrpSpPr>
+        <p:cNvPr id="1" name=""/>
+        <p:cNvGrpSpPr/>
+        <p:nvPr/>
+      </p:nvGrpSpPr>
+      <p:grpSpPr>
+        <a:xfrm>
+          <a:off x="0" y="0"/>
+          <a:ext cx="0" cy="0"/>
+          <a:chOff x="0" y="0"/>
+          <a:chExt cx="0" cy="0"/>
+        </a:xfrm>
+      </p:grpSpPr>
+      <p:sp>
+        <p:nvSpPr>
+          <p:cNvPr id="2" name="제목 1">
+            <a:extLst>
+              <a:ext uri="{FF2B5EF4-FFF2-40B4-BE49-F238E27FC236}">
+                <a16:creationId xmlns:a16="http://schemas.microsoft.com/office/drawing/2014/main" id="{01BAFFEF-FACB-D76B-307F-7FD69B6D5293}"/>
+              </a:ext>
+            </a:extLst>
+          </p:cNvPr>
+          <p:cNvSpPr>
+            <a:spLocks noGrp="1"/>
+          </p:cNvSpPr>
+          <p:nvPr>
+            <p:ph type="title"/>
+          </p:nvPr>
+        </p:nvSpPr>
+        <p:spPr/>
+        <p:txBody>
+          <a:bodyPr/>
+          <a:lstStyle/>
+          <a:p>
+            <a:r>
+              <a:rPr kumimoji="1" lang="en-US" altLang="ko-KR" dirty="0" err="1"/>
+              <a:t>OpenDDS</a:t>
+            </a:r>
+            <a:r>
+              <a:rPr kumimoji="1" lang="en-US" altLang="ko-KR" dirty="0"/>
+              <a:t> vs. </a:t>
+            </a:r>
+            <a:r>
+              <a:rPr kumimoji="1" lang="en-US" altLang="ko-KR" dirty="0" err="1"/>
+              <a:t>OpenSlice</a:t>
+            </a:r>
+            <a:r>
+              <a:rPr kumimoji="1" lang="en-US" altLang="ko-KR" dirty="0"/>
+              <a:t> DDS</a:t>
+            </a:r>
+            <a:endParaRPr kumimoji="1" lang="ko-KR" altLang="en-US" dirty="0"/>
+          </a:p>
+        </p:txBody>
+      </p:sp>
+      <p:graphicFrame>
+        <p:nvGraphicFramePr>
+          <p:cNvPr id="5" name="표 4">
+            <a:extLst>
+              <a:ext uri="{FF2B5EF4-FFF2-40B4-BE49-F238E27FC236}">
+                <a16:creationId xmlns:a16="http://schemas.microsoft.com/office/drawing/2014/main" id="{8620BB0C-ACCE-D218-A764-BD8FB8E20DC9}"/>
+              </a:ext>
+            </a:extLst>
+          </p:cNvPr>
+          <p:cNvGraphicFramePr>
+            <a:graphicFrameLocks noGrp="1"/>
+          </p:cNvGraphicFramePr>
+          <p:nvPr>
+            <p:extLst>
+              <p:ext uri="{D42A27DB-BD31-4B8C-83A1-F6EECF244321}">
+                <p14:modId xmlns:p14="http://schemas.microsoft.com/office/powerpoint/2010/main" val="1991593668"/>
+              </p:ext>
+            </p:extLst>
+          </p:nvPr>
+        </p:nvGraphicFramePr>
+        <p:xfrm>
+          <a:off x="593271" y="1097037"/>
+          <a:ext cx="8980713" cy="5127364"/>
+        </p:xfrm>
+        <a:graphic>
+          <a:graphicData uri="http://schemas.openxmlformats.org/drawingml/2006/table">
+            <a:tbl>
+              <a:tblPr firstRow="1" bandRow="1">
+                <a:tableStyleId>{5C22544A-7EE6-4342-B048-85BDC9FD1C3A}</a:tableStyleId>
+              </a:tblPr>
+              <a:tblGrid>
+                <a:gridCol w="1676400">
+                  <a:extLst>
+                    <a:ext uri="{9D8B030D-6E8A-4147-A177-3AD203B41FA5}">
+                      <a16:colId xmlns:a16="http://schemas.microsoft.com/office/drawing/2014/main" val="4251050166"/>
+                    </a:ext>
+                  </a:extLst>
+                </a:gridCol>
+                <a:gridCol w="3624943">
+                  <a:extLst>
+                    <a:ext uri="{9D8B030D-6E8A-4147-A177-3AD203B41FA5}">
+                      <a16:colId xmlns:a16="http://schemas.microsoft.com/office/drawing/2014/main" val="3814650287"/>
+                    </a:ext>
+                  </a:extLst>
+                </a:gridCol>
+                <a:gridCol w="3679370">
+                  <a:extLst>
+                    <a:ext uri="{9D8B030D-6E8A-4147-A177-3AD203B41FA5}">
+                      <a16:colId xmlns:a16="http://schemas.microsoft.com/office/drawing/2014/main" val="4066181604"/>
+                    </a:ext>
+                  </a:extLst>
+                </a:gridCol>
+              </a:tblGrid>
+              <a:tr h="274096">
+                <a:tc>
+                  <a:txBody>
+                    <a:bodyPr/>
+                    <a:lstStyle/>
+                    <a:p>
+                      <a:pPr algn="ctr" rtl="0" fontAlgn="b"/>
+                      <a:r>
+                        <a:rPr lang="en" sz="1400" dirty="0">
+                          <a:effectLst/>
+                        </a:rPr>
+                        <a:t>Feature</a:t>
+                      </a:r>
+                    </a:p>
+                  </a:txBody>
+                  <a:tcPr marL="28575" marR="28575" marT="19050" marB="19050" anchor="ctr"/>
+                </a:tc>
+                <a:tc>
+                  <a:txBody>
+                    <a:bodyPr/>
+                    <a:lstStyle/>
+                    <a:p>
+                      <a:pPr algn="ctr" rtl="0" fontAlgn="b"/>
+                      <a:r>
+                        <a:rPr lang="en" sz="1400" dirty="0" err="1">
+                          <a:effectLst/>
+                        </a:rPr>
+                        <a:t>OpenDDS</a:t>
+                      </a:r>
+                      <a:endParaRPr lang="en" sz="1400" dirty="0">
+                        <a:effectLst/>
+                      </a:endParaRPr>
+                    </a:p>
+                  </a:txBody>
+                  <a:tcPr marL="28575" marR="28575" marT="19050" marB="19050" anchor="ctr"/>
+                </a:tc>
+                <a:tc>
+                  <a:txBody>
+                    <a:bodyPr/>
+                    <a:lstStyle/>
+                    <a:p>
+                      <a:pPr algn="ctr" rtl="0" fontAlgn="b"/>
+                      <a:r>
+                        <a:rPr lang="en" altLang="ko-KR" sz="1400" dirty="0" err="1"/>
+                        <a:t>OpenSlice</a:t>
+                      </a:r>
+                      <a:r>
+                        <a:rPr lang="en" altLang="ko-KR" sz="1400" dirty="0"/>
+                        <a:t> DDS</a:t>
+                      </a:r>
+                      <a:endParaRPr lang="en" sz="1400" dirty="0">
+                        <a:effectLst/>
+                      </a:endParaRPr>
+                    </a:p>
+                  </a:txBody>
+                  <a:tcPr marL="28575" marR="28575" marT="19050" marB="19050" anchor="ctr"/>
+                </a:tc>
+                <a:extLst>
+                  <a:ext uri="{0D108BD9-81ED-4DB2-BD59-A6C34878D82A}">
+                    <a16:rowId xmlns:a16="http://schemas.microsoft.com/office/drawing/2014/main" val="496285262"/>
+                  </a:ext>
+                </a:extLst>
+              </a:tr>
+              <a:tr h="274096">
+                <a:tc>
+                  <a:txBody>
+                    <a:bodyPr/>
+                    <a:lstStyle/>
+                    <a:p>
+                      <a:pPr algn="ctr" rtl="0" fontAlgn="b"/>
+                      <a:r>
+                        <a:rPr lang="en" sz="1400" dirty="0">
+                          <a:effectLst/>
+                        </a:rPr>
+                        <a:t>License</a:t>
+                      </a:r>
+                    </a:p>
+                  </a:txBody>
+                  <a:tcPr marL="28575" marR="28575" marT="19050" marB="19050" anchor="ctr"/>
+                </a:tc>
+                <a:tc>
+                  <a:txBody>
+                    <a:bodyPr/>
+                    <a:lstStyle/>
+                    <a:p>
+                      <a:pPr rtl="0" fontAlgn="b"/>
+                      <a:r>
+                        <a:rPr lang="en" sz="1400" b="1" dirty="0">
+                          <a:solidFill>
+                            <a:srgbClr val="FF0000"/>
+                          </a:solidFill>
+                          <a:effectLst/>
+                        </a:rPr>
+                        <a:t>Open Source (Apache 2.0)</a:t>
+                      </a:r>
+                    </a:p>
+                  </a:txBody>
+                  <a:tcPr marL="28575" marR="28575" marT="19050" marB="19050" anchor="ctr"/>
+                </a:tc>
+                <a:tc>
+                  <a:txBody>
+                    <a:bodyPr/>
+                    <a:lstStyle/>
+                    <a:p>
+                      <a:pPr rtl="0" fontAlgn="b"/>
+                      <a:r>
+                        <a:rPr lang="en" altLang="ko-KR" sz="1400" b="1" dirty="0">
+                          <a:solidFill>
+                            <a:srgbClr val="FF0000"/>
+                          </a:solidFill>
+                        </a:rPr>
+                        <a:t>Commercial (Free and Paid Tiers)</a:t>
+                      </a:r>
+                      <a:endParaRPr lang="en" sz="1400" b="1" dirty="0">
+                        <a:solidFill>
+                          <a:srgbClr val="FF0000"/>
+                        </a:solidFill>
+                        <a:effectLst/>
+                      </a:endParaRPr>
+                    </a:p>
+                  </a:txBody>
+                  <a:tcPr marL="28575" marR="28575" marT="19050" marB="19050" anchor="ctr"/>
+                </a:tc>
+                <a:extLst>
+                  <a:ext uri="{0D108BD9-81ED-4DB2-BD59-A6C34878D82A}">
+                    <a16:rowId xmlns:a16="http://schemas.microsoft.com/office/drawing/2014/main" val="2741115126"/>
+                  </a:ext>
+                </a:extLst>
+              </a:tr>
+              <a:tr h="388615">
+                <a:tc>
+                  <a:txBody>
+                    <a:bodyPr/>
+                    <a:lstStyle/>
+                    <a:p>
+                      <a:pPr algn="ctr" rtl="0" fontAlgn="b"/>
+                      <a:r>
+                        <a:rPr lang="en" sz="1400" dirty="0">
+                          <a:effectLst/>
+                        </a:rPr>
+                        <a:t>Focus</a:t>
+                      </a:r>
+                    </a:p>
+                  </a:txBody>
+                  <a:tcPr marL="28575" marR="28575" marT="19050" marB="19050" anchor="ctr"/>
+                </a:tc>
+                <a:tc>
+                  <a:txBody>
+                    <a:bodyPr/>
+                    <a:lstStyle/>
+                    <a:p>
+                      <a:pPr rtl="0" fontAlgn="b"/>
+                      <a:r>
+                        <a:rPr lang="en" sz="1400" dirty="0">
+                          <a:effectLst/>
+                        </a:rPr>
+                        <a:t>General-purpose</a:t>
+                      </a:r>
+                      <a:br>
+                        <a:rPr lang="en" sz="1400" dirty="0">
+                          <a:effectLst/>
+                        </a:rPr>
+                      </a:br>
+                      <a:r>
+                        <a:rPr lang="en" sz="1400" dirty="0">
+                          <a:effectLst/>
+                        </a:rPr>
+                        <a:t>DDS implementation</a:t>
+                      </a:r>
+                    </a:p>
+                  </a:txBody>
+                  <a:tcPr marL="28575" marR="28575" marT="19050" marB="19050" anchor="ctr"/>
+                </a:tc>
+                <a:tc>
+                  <a:txBody>
+                    <a:bodyPr/>
+                    <a:lstStyle/>
+                    <a:p>
+                      <a:pPr rtl="0" fontAlgn="b"/>
+                      <a:r>
+                        <a:rPr lang="en" altLang="ko-KR" sz="1400" dirty="0"/>
+                        <a:t>High-performance, real-time communication</a:t>
+                      </a:r>
+                      <a:endParaRPr lang="en" sz="1400" dirty="0">
+                        <a:effectLst/>
+                      </a:endParaRPr>
+                    </a:p>
+                  </a:txBody>
+                  <a:tcPr marL="28575" marR="28575" marT="19050" marB="19050" anchor="ctr"/>
+                </a:tc>
+                <a:extLst>
+                  <a:ext uri="{0D108BD9-81ED-4DB2-BD59-A6C34878D82A}">
+                    <a16:rowId xmlns:a16="http://schemas.microsoft.com/office/drawing/2014/main" val="338585691"/>
+                  </a:ext>
+                </a:extLst>
+              </a:tr>
+              <a:tr h="426317">
+                <a:tc>
+                  <a:txBody>
+                    <a:bodyPr/>
+                    <a:lstStyle/>
+                    <a:p>
+                      <a:pPr algn="ctr" rtl="0" fontAlgn="b"/>
+                      <a:r>
+                        <a:rPr lang="en" sz="1400" dirty="0">
+                          <a:effectLst/>
+                        </a:rPr>
+                        <a:t>Performance</a:t>
+                      </a:r>
+                    </a:p>
+                  </a:txBody>
+                  <a:tcPr marL="28575" marR="28575" marT="19050" marB="19050" anchor="ctr"/>
+                </a:tc>
+                <a:tc>
+                  <a:txBody>
+                    <a:bodyPr/>
+                    <a:lstStyle/>
+                    <a:p>
+                      <a:pPr rtl="0" fontAlgn="b"/>
+                      <a:r>
+                        <a:rPr lang="en" sz="1400" dirty="0">
+                          <a:effectLst/>
+                        </a:rPr>
+                        <a:t>Lower latency</a:t>
+                      </a:r>
+                      <a:br>
+                        <a:rPr lang="en" sz="1400" dirty="0">
+                          <a:effectLst/>
+                        </a:rPr>
+                      </a:br>
+                      <a:r>
+                        <a:rPr lang="en" sz="1400" dirty="0">
+                          <a:effectLst/>
+                        </a:rPr>
+                        <a:t>for smaller data samples</a:t>
+                      </a:r>
+                    </a:p>
+                  </a:txBody>
+                  <a:tcPr marL="28575" marR="28575" marT="19050" marB="19050" anchor="ctr"/>
+                </a:tc>
+                <a:tc>
+                  <a:txBody>
+                    <a:bodyPr/>
+                    <a:lstStyle/>
+                    <a:p>
+                      <a:pPr rtl="0" fontAlgn="b"/>
+                      <a:r>
+                        <a:rPr lang="en" altLang="ko-KR" sz="1400" dirty="0"/>
+                        <a:t>Lower latency overall, especially for large data</a:t>
+                      </a:r>
+                      <a:endParaRPr lang="en" sz="1400" dirty="0">
+                        <a:effectLst/>
+                      </a:endParaRPr>
+                    </a:p>
+                  </a:txBody>
+                  <a:tcPr marL="28575" marR="28575" marT="19050" marB="19050" anchor="ctr"/>
+                </a:tc>
+                <a:extLst>
+                  <a:ext uri="{0D108BD9-81ED-4DB2-BD59-A6C34878D82A}">
+                    <a16:rowId xmlns:a16="http://schemas.microsoft.com/office/drawing/2014/main" val="1840311442"/>
+                  </a:ext>
+                </a:extLst>
+              </a:tr>
+              <a:tr h="274096">
+                <a:tc>
+                  <a:txBody>
+                    <a:bodyPr/>
+                    <a:lstStyle/>
+                    <a:p>
+                      <a:pPr algn="ctr" rtl="0" fontAlgn="b"/>
+                      <a:r>
+                        <a:rPr lang="en" sz="1400" dirty="0">
+                          <a:effectLst/>
+                        </a:rPr>
+                        <a:t>Security</a:t>
+                      </a:r>
+                    </a:p>
+                  </a:txBody>
+                  <a:tcPr marL="28575" marR="28575" marT="19050" marB="19050" anchor="ctr"/>
+                </a:tc>
+                <a:tc>
+                  <a:txBody>
+                    <a:bodyPr/>
+                    <a:lstStyle/>
+                    <a:p>
+                      <a:pPr rtl="0" fontAlgn="b"/>
+                      <a:r>
+                        <a:rPr lang="en" sz="1400" dirty="0">
+                          <a:effectLst/>
+                        </a:rPr>
+                        <a:t>Supports DDS Security specification</a:t>
+                      </a:r>
+                    </a:p>
+                  </a:txBody>
+                  <a:tcPr marL="28575" marR="28575" marT="19050" marB="19050" anchor="ctr"/>
+                </a:tc>
+                <a:tc>
+                  <a:txBody>
+                    <a:bodyPr/>
+                    <a:lstStyle/>
+                    <a:p>
+                      <a:pPr rtl="0" fontAlgn="b"/>
+                      <a:r>
+                        <a:rPr lang="en" sz="1400" dirty="0">
+                          <a:effectLst/>
+                        </a:rPr>
+                        <a:t>Supports DDS Security specification</a:t>
+                      </a:r>
+                    </a:p>
+                  </a:txBody>
+                  <a:tcPr marL="28575" marR="28575" marT="19050" marB="19050" anchor="ctr"/>
+                </a:tc>
+                <a:extLst>
+                  <a:ext uri="{0D108BD9-81ED-4DB2-BD59-A6C34878D82A}">
+                    <a16:rowId xmlns:a16="http://schemas.microsoft.com/office/drawing/2014/main" val="3012504165"/>
+                  </a:ext>
+                </a:extLst>
+              </a:tr>
+              <a:tr h="388615">
+                <a:tc>
+                  <a:txBody>
+                    <a:bodyPr/>
+                    <a:lstStyle/>
+                    <a:p>
+                      <a:pPr algn="ctr" rtl="0" fontAlgn="b"/>
+                      <a:r>
+                        <a:rPr lang="en" sz="1400" dirty="0">
+                          <a:effectLst/>
+                        </a:rPr>
+                        <a:t>Language</a:t>
+                      </a:r>
+                      <a:br>
+                        <a:rPr lang="en" sz="1400" dirty="0">
+                          <a:effectLst/>
+                        </a:rPr>
+                      </a:br>
+                      <a:r>
+                        <a:rPr lang="en" sz="1400" dirty="0">
+                          <a:effectLst/>
+                        </a:rPr>
+                        <a:t>Support</a:t>
+                      </a:r>
+                    </a:p>
+                  </a:txBody>
+                  <a:tcPr marL="28575" marR="28575" marT="19050" marB="19050" anchor="ctr"/>
+                </a:tc>
+                <a:tc>
+                  <a:txBody>
+                    <a:bodyPr/>
+                    <a:lstStyle/>
+                    <a:p>
+                      <a:pPr rtl="0" fontAlgn="b"/>
+                      <a:r>
+                        <a:rPr lang="en" sz="1400" dirty="0">
+                          <a:effectLst/>
+                        </a:rPr>
+                        <a:t>Primarily C++, Java (through JNI)</a:t>
+                      </a:r>
+                    </a:p>
+                    <a:p>
+                      <a:pPr rtl="0" fontAlgn="b"/>
+                      <a:r>
+                        <a:rPr lang="en" sz="1400" dirty="0">
+                          <a:effectLst/>
+                        </a:rPr>
+                        <a:t>C# binding using </a:t>
+                      </a:r>
+                      <a:r>
+                        <a:rPr lang="en" sz="1400" dirty="0" err="1">
+                          <a:effectLst/>
+                        </a:rPr>
+                        <a:t>OpenDDSharp</a:t>
+                      </a:r>
+                      <a:endParaRPr lang="en" sz="1400" dirty="0">
+                        <a:effectLst/>
+                      </a:endParaRPr>
+                    </a:p>
+                  </a:txBody>
+                  <a:tcPr marL="28575" marR="28575" marT="19050" marB="19050" anchor="ctr"/>
+                </a:tc>
+                <a:tc>
+                  <a:txBody>
+                    <a:bodyPr/>
+                    <a:lstStyle/>
+                    <a:p>
+                      <a:pPr rtl="0" fontAlgn="b"/>
+                      <a:r>
+                        <a:rPr lang="en" altLang="ko-KR" sz="1400" dirty="0"/>
+                        <a:t>C++, Python, Java (through bindings)</a:t>
+                      </a:r>
+                      <a:endParaRPr lang="en" sz="1400" dirty="0">
+                        <a:effectLst/>
+                      </a:endParaRPr>
+                    </a:p>
+                  </a:txBody>
+                  <a:tcPr marL="28575" marR="28575" marT="19050" marB="19050" anchor="ctr"/>
+                </a:tc>
+                <a:extLst>
+                  <a:ext uri="{0D108BD9-81ED-4DB2-BD59-A6C34878D82A}">
+                    <a16:rowId xmlns:a16="http://schemas.microsoft.com/office/drawing/2014/main" val="4059998200"/>
+                  </a:ext>
+                </a:extLst>
+              </a:tr>
+              <a:tr h="388615">
+                <a:tc>
+                  <a:txBody>
+                    <a:bodyPr/>
+                    <a:lstStyle/>
+                    <a:p>
+                      <a:pPr algn="ctr" rtl="0" fontAlgn="b"/>
+                      <a:r>
+                        <a:rPr lang="en" sz="1400" dirty="0">
+                          <a:effectLst/>
+                        </a:rPr>
+                        <a:t>Community</a:t>
+                      </a:r>
+                      <a:br>
+                        <a:rPr lang="en" sz="1400" dirty="0">
+                          <a:effectLst/>
+                        </a:rPr>
+                      </a:br>
+                      <a:r>
+                        <a:rPr lang="en" sz="1400" dirty="0">
+                          <a:effectLst/>
+                        </a:rPr>
+                        <a:t>&amp; Support</a:t>
+                      </a:r>
+                    </a:p>
+                  </a:txBody>
+                  <a:tcPr marL="28575" marR="28575" marT="19050" marB="19050" anchor="ctr"/>
+                </a:tc>
+                <a:tc>
+                  <a:txBody>
+                    <a:bodyPr/>
+                    <a:lstStyle/>
+                    <a:p>
+                      <a:pPr rtl="0" fontAlgn="b"/>
+                      <a:r>
+                        <a:rPr lang="en" sz="1400" dirty="0">
+                          <a:effectLst/>
+                        </a:rPr>
+                        <a:t>Large open-source community</a:t>
+                      </a:r>
+                    </a:p>
+                  </a:txBody>
+                  <a:tcPr marL="28575" marR="28575" marT="19050" marB="19050" anchor="ctr"/>
+                </a:tc>
+                <a:tc>
+                  <a:txBody>
+                    <a:bodyPr/>
+                    <a:lstStyle/>
+                    <a:p>
+                      <a:pPr rtl="0" fontAlgn="b"/>
+                      <a:r>
+                        <a:rPr lang="en" altLang="ko-KR" sz="1400" dirty="0"/>
+                        <a:t>Commercial support available</a:t>
+                      </a:r>
+                      <a:endParaRPr lang="en" sz="1400" dirty="0">
+                        <a:effectLst/>
+                      </a:endParaRPr>
+                    </a:p>
+                  </a:txBody>
+                  <a:tcPr marL="28575" marR="28575" marT="19050" marB="19050" anchor="ctr"/>
+                </a:tc>
+                <a:extLst>
+                  <a:ext uri="{0D108BD9-81ED-4DB2-BD59-A6C34878D82A}">
+                    <a16:rowId xmlns:a16="http://schemas.microsoft.com/office/drawing/2014/main" val="2485378967"/>
+                  </a:ext>
+                </a:extLst>
+              </a:tr>
+              <a:tr h="2010661">
+                <a:tc>
+                  <a:txBody>
+                    <a:bodyPr/>
+                    <a:lstStyle/>
+                    <a:p>
+                      <a:pPr algn="ctr" rtl="0" fontAlgn="b"/>
+                      <a:r>
+                        <a:rPr lang="en" sz="1400" dirty="0">
+                          <a:effectLst/>
+                        </a:rPr>
+                        <a:t>OS Support</a:t>
+                      </a:r>
+                    </a:p>
+                  </a:txBody>
+                  <a:tcPr marL="28575" marR="28575" marT="19050" marB="19050" anchor="ctr"/>
+                </a:tc>
+                <a:tc>
+                  <a:txBody>
+                    <a:bodyPr/>
+                    <a:lstStyle/>
+                    <a:p>
+                      <a:pPr rtl="0"/>
+                      <a:r>
+                        <a:rPr lang="en" altLang="ko-KR" sz="1400" b="1" dirty="0">
+                          <a:effectLst/>
+                        </a:rPr>
+                        <a:t>Desktop:</a:t>
+                      </a:r>
+                      <a:endParaRPr lang="en" altLang="ko-KR" sz="1400" dirty="0">
+                        <a:effectLst/>
+                      </a:endParaRPr>
+                    </a:p>
+                    <a:p>
+                      <a:pPr marL="184150" lvl="1" indent="0" rtl="0">
+                        <a:tabLst/>
+                      </a:pPr>
+                      <a:r>
+                        <a:rPr lang="en" altLang="ko-KR" sz="1400" dirty="0">
+                          <a:effectLst/>
+                        </a:rPr>
+                        <a:t>Windows (7, 10 - 64-bit versions)</a:t>
+                      </a:r>
+                    </a:p>
+                    <a:p>
+                      <a:pPr marL="184150" lvl="1" indent="0" rtl="0">
+                        <a:tabLst/>
+                      </a:pPr>
+                      <a:r>
+                        <a:rPr lang="en" altLang="ko-KR" sz="1400" dirty="0">
+                          <a:effectLst/>
+                        </a:rPr>
+                        <a:t>Linux/macOS</a:t>
+                      </a:r>
+                    </a:p>
+                    <a:p>
+                      <a:pPr marL="184150" lvl="1" indent="0" rtl="0">
+                        <a:tabLst/>
+                      </a:pPr>
+                      <a:r>
+                        <a:rPr lang="en" altLang="ko-KR" sz="1400" dirty="0">
+                          <a:effectLst/>
+                        </a:rPr>
+                        <a:t>BSDs (similar to Unix-based systems like macOS)</a:t>
+                      </a:r>
+                    </a:p>
+                    <a:p>
+                      <a:pPr rtl="0"/>
+                      <a:r>
+                        <a:rPr lang="en" altLang="ko-KR" sz="1400" b="1" dirty="0">
+                          <a:effectLst/>
+                        </a:rPr>
+                        <a:t>Embedded/Mobile/IoT:</a:t>
+                      </a:r>
+                      <a:endParaRPr lang="en" altLang="ko-KR" sz="1400" dirty="0">
+                        <a:effectLst/>
+                      </a:endParaRPr>
+                    </a:p>
+                    <a:p>
+                      <a:pPr marL="227013" lvl="1" indent="0" rtl="0">
+                        <a:tabLst/>
+                      </a:pPr>
+                      <a:r>
+                        <a:rPr lang="en" altLang="ko-KR" sz="1400" dirty="0">
+                          <a:effectLst/>
+                        </a:rPr>
+                        <a:t>LynxOS-178 (for safety-critical applications)</a:t>
+                      </a:r>
+                    </a:p>
+                    <a:p>
+                      <a:pPr marL="227013" lvl="1" indent="0" rtl="0">
+                        <a:tabLst/>
+                      </a:pPr>
+                      <a:r>
+                        <a:rPr lang="en" altLang="ko-KR" sz="1400" dirty="0">
+                          <a:effectLst/>
+                        </a:rPr>
+                        <a:t>VxWorks (specific versions)</a:t>
+                      </a:r>
+                    </a:p>
+                    <a:p>
+                      <a:pPr marL="227013" lvl="1" indent="0" rtl="0">
+                        <a:tabLst/>
+                      </a:pPr>
+                      <a:r>
+                        <a:rPr lang="en" altLang="ko-KR" sz="1400" dirty="0">
+                          <a:effectLst/>
+                        </a:rPr>
+                        <a:t>Linux on Raspberry Pi</a:t>
+                      </a:r>
+                    </a:p>
+                    <a:p>
+                      <a:pPr marL="227013" lvl="1" indent="0" rtl="0">
+                        <a:tabLst/>
+                      </a:pPr>
+                      <a:r>
+                        <a:rPr lang="en" altLang="ko-KR" sz="1400" dirty="0">
+                          <a:effectLst/>
+                        </a:rPr>
+                        <a:t>Android (limited support)</a:t>
+                      </a:r>
+                    </a:p>
+                  </a:txBody>
+                  <a:tcPr marL="28575" marR="28575" marT="19050" marB="19050" anchor="ctr"/>
+                </a:tc>
+                <a:tc>
+                  <a:txBody>
+                    <a:bodyPr/>
+                    <a:lstStyle/>
+                    <a:p>
+                      <a:pPr rtl="0" fontAlgn="b"/>
+                      <a:r>
+                        <a:rPr lang="en" sz="1400" dirty="0">
+                          <a:effectLst/>
+                        </a:rPr>
+                        <a:t>Linux</a:t>
+                      </a:r>
+                    </a:p>
+                    <a:p>
+                      <a:pPr rtl="0" fontAlgn="b"/>
+                      <a:r>
+                        <a:rPr lang="en" sz="1400" dirty="0">
+                          <a:effectLst/>
+                        </a:rPr>
+                        <a:t>Windows</a:t>
+                      </a:r>
+                    </a:p>
+                    <a:p>
+                      <a:pPr rtl="0" fontAlgn="b"/>
+                      <a:r>
+                        <a:rPr lang="en" sz="1400" dirty="0">
+                          <a:effectLst/>
+                        </a:rPr>
+                        <a:t>MacOS</a:t>
+                      </a:r>
+                    </a:p>
+                    <a:p>
+                      <a:pPr rtl="0" fontAlgn="b"/>
+                      <a:r>
+                        <a:rPr lang="en" altLang="ko-KR" sz="1400" dirty="0" err="1"/>
+                        <a:t>FreeRTOS</a:t>
+                      </a:r>
+                      <a:r>
+                        <a:rPr lang="en" altLang="ko-KR" sz="1400" dirty="0"/>
+                        <a:t>, QNX</a:t>
+                      </a:r>
+                    </a:p>
+                    <a:p>
+                      <a:pPr rtl="0" fontAlgn="b"/>
+                      <a:r>
+                        <a:rPr lang="en" altLang="ko-KR" sz="1400" dirty="0" err="1"/>
+                        <a:t>OpenIndiana</a:t>
+                      </a:r>
+                      <a:r>
+                        <a:rPr lang="en" altLang="ko-KR" sz="1400" dirty="0"/>
+                        <a:t> OS (similar to Solaris)</a:t>
+                      </a:r>
+                      <a:endParaRPr lang="en" sz="1400" dirty="0">
+                        <a:effectLst/>
+                      </a:endParaRPr>
+                    </a:p>
+                  </a:txBody>
+                  <a:tcPr marL="28575" marR="28575" marT="19050" marB="19050" anchor="ctr"/>
+                </a:tc>
+                <a:extLst>
+                  <a:ext uri="{0D108BD9-81ED-4DB2-BD59-A6C34878D82A}">
+                    <a16:rowId xmlns:a16="http://schemas.microsoft.com/office/drawing/2014/main" val="2533507767"/>
+                  </a:ext>
+                </a:extLst>
+              </a:tr>
+              <a:tr h="274096">
+                <a:tc>
+                  <a:txBody>
+                    <a:bodyPr/>
+                    <a:lstStyle/>
+                    <a:p>
+                      <a:pPr algn="ctr" rtl="0" fontAlgn="b"/>
+                      <a:r>
+                        <a:rPr lang="en" sz="1400" dirty="0">
+                          <a:effectLst/>
+                        </a:rPr>
+                        <a:t>Cost</a:t>
+                      </a:r>
+                    </a:p>
+                  </a:txBody>
+                  <a:tcPr marL="28575" marR="28575" marT="19050" marB="19050" anchor="ctr"/>
+                </a:tc>
+                <a:tc>
+                  <a:txBody>
+                    <a:bodyPr/>
+                    <a:lstStyle/>
+                    <a:p>
+                      <a:pPr algn="ctr" rtl="0" fontAlgn="b"/>
+                      <a:r>
+                        <a:rPr lang="en" sz="1400" b="1" dirty="0">
+                          <a:solidFill>
+                            <a:srgbClr val="FF0000"/>
+                          </a:solidFill>
+                          <a:effectLst/>
+                        </a:rPr>
+                        <a:t>Free</a:t>
+                      </a:r>
+                    </a:p>
+                  </a:txBody>
+                  <a:tcPr marL="28575" marR="28575" marT="19050" marB="19050" anchor="ctr"/>
+                </a:tc>
+                <a:tc>
+                  <a:txBody>
+                    <a:bodyPr/>
+                    <a:lstStyle/>
+                    <a:p>
+                      <a:pPr marL="0" marR="0" indent="0" algn="ctr" defTabSz="914400" rtl="0" eaLnBrk="1" fontAlgn="b" latinLnBrk="1" hangingPunct="1">
+                        <a:lnSpc>
+                          <a:spcPct val="100000"/>
+                        </a:lnSpc>
+                        <a:spcBef>
+                          <a:spcPts val="0"/>
+                        </a:spcBef>
+                        <a:spcAft>
+                          <a:spcPts val="0"/>
+                        </a:spcAft>
+                        <a:buClrTx/>
+                        <a:buSzTx/>
+                        <a:buFontTx/>
+                        <a:buNone/>
+                        <a:tabLst/>
+                        <a:defRPr/>
+                      </a:pPr>
+                      <a:r>
+                        <a:rPr lang="en" sz="1400" b="1">
+                          <a:solidFill>
+                            <a:srgbClr val="FF0000"/>
+                          </a:solidFill>
+                          <a:effectLst/>
+                        </a:rPr>
+                        <a:t>Free and Paid Tiers</a:t>
+                      </a:r>
+                      <a:endParaRPr lang="en" sz="1400" b="1" dirty="0">
+                        <a:solidFill>
+                          <a:srgbClr val="FF0000"/>
+                        </a:solidFill>
+                        <a:effectLst/>
+                      </a:endParaRPr>
+                    </a:p>
+                  </a:txBody>
+                  <a:tcPr marL="28575" marR="28575" marT="19050" marB="19050" anchor="ctr"/>
+                </a:tc>
+                <a:extLst>
+                  <a:ext uri="{0D108BD9-81ED-4DB2-BD59-A6C34878D82A}">
+                    <a16:rowId xmlns:a16="http://schemas.microsoft.com/office/drawing/2014/main" val="3718643145"/>
+                  </a:ext>
+                </a:extLst>
+              </a:tr>
+            </a:tbl>
+          </a:graphicData>
+        </a:graphic>
+      </p:graphicFrame>
+    </p:spTree>
+    <p:extLst>
+      <p:ext uri="{BB962C8B-B14F-4D97-AF65-F5344CB8AC3E}">
+        <p14:creationId xmlns:p14="http://schemas.microsoft.com/office/powerpoint/2010/main" val="1191840641"/>
       </p:ext>
     </p:extLst>
   </p:cSld>
@@ -13831,61 +14484,6 @@
           <p:cNvPr id="2" name="제목 1">
             <a:extLst>
               <a:ext uri="{FF2B5EF4-FFF2-40B4-BE49-F238E27FC236}">
-                <a16:creationId xmlns:a16="http://schemas.microsoft.com/office/drawing/2014/main" id="{7A7D9469-5DFE-596C-1007-BB21FE160759}"/>
-              </a:ext>
-            </a:extLst>
-          </p:cNvPr>
-          <p:cNvSpPr>
-            <a:spLocks noGrp="1"/>
-          </p:cNvSpPr>
-          <p:nvPr>
-            <p:ph type="title"/>
-          </p:nvPr>
-        </p:nvSpPr>
-        <p:spPr/>
-        <p:txBody>
-          <a:bodyPr/>
-          <a:lstStyle/>
-          <a:p>
-            <a:endParaRPr kumimoji="1" lang="ko-KR" altLang="en-US"/>
-          </a:p>
-        </p:txBody>
-      </p:sp>
-    </p:spTree>
-    <p:extLst>
-      <p:ext uri="{BB962C8B-B14F-4D97-AF65-F5344CB8AC3E}">
-        <p14:creationId xmlns:p14="http://schemas.microsoft.com/office/powerpoint/2010/main" val="4114971700"/>
-      </p:ext>
-    </p:extLst>
-  </p:cSld>
-  <p:clrMapOvr>
-    <a:masterClrMapping/>
-  </p:clrMapOvr>
-</p:sld>
-</file>
-
-<file path=ppt/slides/slide9.xml><?xml version="1.0" encoding="utf-8"?>
-<p:sld xmlns:a="http://schemas.openxmlformats.org/drawingml/2006/main" xmlns:r="http://schemas.openxmlformats.org/officeDocument/2006/relationships" xmlns:p="http://schemas.openxmlformats.org/presentationml/2006/main">
-  <p:cSld>
-    <p:spTree>
-      <p:nvGrpSpPr>
-        <p:cNvPr id="1" name=""/>
-        <p:cNvGrpSpPr/>
-        <p:nvPr/>
-      </p:nvGrpSpPr>
-      <p:grpSpPr>
-        <a:xfrm>
-          <a:off x="0" y="0"/>
-          <a:ext cx="0" cy="0"/>
-          <a:chOff x="0" y="0"/>
-          <a:chExt cx="0" cy="0"/>
-        </a:xfrm>
-      </p:grpSpPr>
-      <p:sp>
-        <p:nvSpPr>
-          <p:cNvPr id="2" name="제목 1">
-            <a:extLst>
-              <a:ext uri="{FF2B5EF4-FFF2-40B4-BE49-F238E27FC236}">
                 <a16:creationId xmlns:a16="http://schemas.microsoft.com/office/drawing/2014/main" id="{1A0C40CC-3352-DEE5-EFB6-046621AC6F9B}"/>
               </a:ext>
             </a:extLst>
@@ -14338,6 +14936,302 @@
     <p:extLst>
       <p:ext uri="{BB962C8B-B14F-4D97-AF65-F5344CB8AC3E}">
         <p14:creationId xmlns:p14="http://schemas.microsoft.com/office/powerpoint/2010/main" val="2834491898"/>
+      </p:ext>
+    </p:extLst>
+  </p:cSld>
+  <p:clrMapOvr>
+    <a:masterClrMapping/>
+  </p:clrMapOvr>
+</p:sld>
+</file>
+
+<file path=ppt/slides/slide9.xml><?xml version="1.0" encoding="utf-8"?>
+<p:sld xmlns:a="http://schemas.openxmlformats.org/drawingml/2006/main" xmlns:r="http://schemas.openxmlformats.org/officeDocument/2006/relationships" xmlns:p="http://schemas.openxmlformats.org/presentationml/2006/main">
+  <p:cSld>
+    <p:spTree>
+      <p:nvGrpSpPr>
+        <p:cNvPr id="1" name=""/>
+        <p:cNvGrpSpPr/>
+        <p:nvPr/>
+      </p:nvGrpSpPr>
+      <p:grpSpPr>
+        <a:xfrm>
+          <a:off x="0" y="0"/>
+          <a:ext cx="0" cy="0"/>
+          <a:chOff x="0" y="0"/>
+          <a:chExt cx="0" cy="0"/>
+        </a:xfrm>
+      </p:grpSpPr>
+      <p:sp>
+        <p:nvSpPr>
+          <p:cNvPr id="2" name="제목 1">
+            <a:extLst>
+              <a:ext uri="{FF2B5EF4-FFF2-40B4-BE49-F238E27FC236}">
+                <a16:creationId xmlns:a16="http://schemas.microsoft.com/office/drawing/2014/main" id="{67C79E86-58A0-4DB2-90D8-AE3329A9A18C}"/>
+              </a:ext>
+            </a:extLst>
+          </p:cNvPr>
+          <p:cNvSpPr>
+            <a:spLocks noGrp="1"/>
+          </p:cNvSpPr>
+          <p:nvPr>
+            <p:ph type="title"/>
+          </p:nvPr>
+        </p:nvSpPr>
+        <p:spPr/>
+        <p:txBody>
+          <a:bodyPr/>
+          <a:lstStyle/>
+          <a:p>
+            <a:r>
+              <a:rPr kumimoji="1" lang="en-US" altLang="ko-KR" dirty="0"/>
+              <a:t>Gemini</a:t>
+            </a:r>
+            <a:endParaRPr kumimoji="1" lang="ko-KR" altLang="en-US" dirty="0"/>
+          </a:p>
+        </p:txBody>
+      </p:sp>
+      <p:sp>
+        <p:nvSpPr>
+          <p:cNvPr id="3" name="TextBox 2">
+            <a:extLst>
+              <a:ext uri="{FF2B5EF4-FFF2-40B4-BE49-F238E27FC236}">
+                <a16:creationId xmlns:a16="http://schemas.microsoft.com/office/drawing/2014/main" id="{69DDD09E-A0ED-25F4-30A2-73484D833583}"/>
+              </a:ext>
+            </a:extLst>
+          </p:cNvPr>
+          <p:cNvSpPr txBox="1"/>
+          <p:nvPr/>
+        </p:nvSpPr>
+        <p:spPr>
+          <a:xfrm>
+            <a:off x="478971" y="1121229"/>
+            <a:ext cx="8550729" cy="7848302"/>
+          </a:xfrm>
+          <a:prstGeom prst="rect">
+            <a:avLst/>
+          </a:prstGeom>
+          <a:noFill/>
+        </p:spPr>
+        <p:txBody>
+          <a:bodyPr wrap="square" rtlCol="0">
+            <a:spAutoFit/>
+          </a:bodyPr>
+          <a:lstStyle/>
+          <a:p>
+            <a:pPr>
+              <a:buFont typeface="Arial" panose="020B0604020202020204" pitchFamily="34" charset="0"/>
+              <a:buChar char="•"/>
+            </a:pPr>
+            <a:r>
+              <a:rPr lang="en" altLang="ko-KR" b="1" dirty="0" err="1"/>
+              <a:t>OpenDDS</a:t>
+            </a:r>
+            <a:r>
+              <a:rPr lang="en" altLang="ko-KR" b="1" dirty="0"/>
+              <a:t>:</a:t>
+            </a:r>
+            <a:r>
+              <a:rPr lang="en" altLang="ko-KR" dirty="0"/>
+              <a:t> This is a mature and widely used open-source implementation of the DDS standard. It's known for its reliability, performance, and support for various platforms. You can find more information here: </a:t>
+            </a:r>
+            <a:r>
+              <a:rPr lang="en" altLang="ko-KR" dirty="0">
+                <a:hlinkClick r:id="rId2"/>
+              </a:rPr>
+              <a:t>https://objectcomputing.com/download_file/view/4665</a:t>
+            </a:r>
+            <a:endParaRPr lang="en" altLang="ko-KR" dirty="0"/>
+          </a:p>
+          <a:p>
+            <a:pPr>
+              <a:buFont typeface="Arial" panose="020B0604020202020204" pitchFamily="34" charset="0"/>
+              <a:buChar char="•"/>
+            </a:pPr>
+            <a:r>
+              <a:rPr lang="en" altLang="ko-KR" b="1" dirty="0" err="1"/>
+              <a:t>eProsima</a:t>
+            </a:r>
+            <a:r>
+              <a:rPr lang="en" altLang="ko-KR" b="1" dirty="0"/>
+              <a:t> Fast DDS (formerly Fast RTPS):</a:t>
+            </a:r>
+            <a:r>
+              <a:rPr lang="en" altLang="ko-KR" dirty="0"/>
+              <a:t> This is another popular open-source DDS implementation known for its high performance and scalability. It's offered by </a:t>
+            </a:r>
+            <a:r>
+              <a:rPr lang="en" altLang="ko-KR" dirty="0" err="1"/>
+              <a:t>eProsima</a:t>
+            </a:r>
+            <a:r>
+              <a:rPr lang="en" altLang="ko-KR" dirty="0"/>
+              <a:t>, a company specializing in middleware solutions. While Fast DDS itself is open-source, </a:t>
+            </a:r>
+            <a:r>
+              <a:rPr lang="en" altLang="ko-KR" dirty="0" err="1"/>
+              <a:t>eProsima</a:t>
+            </a:r>
+            <a:r>
+              <a:rPr lang="en" altLang="ko-KR" dirty="0"/>
+              <a:t> offers additional commercial products and support around it.</a:t>
+            </a:r>
+          </a:p>
+          <a:p>
+            <a:pPr>
+              <a:buFont typeface="Arial" panose="020B0604020202020204" pitchFamily="34" charset="0"/>
+              <a:buChar char="•"/>
+            </a:pPr>
+            <a:r>
+              <a:rPr lang="en" altLang="ko-KR" b="1" dirty="0"/>
+              <a:t>Thales RTI </a:t>
+            </a:r>
+            <a:r>
+              <a:rPr lang="en" altLang="ko-KR" b="1" dirty="0" err="1"/>
+              <a:t>Connext</a:t>
+            </a:r>
+            <a:r>
+              <a:rPr lang="en" altLang="ko-KR" b="1" dirty="0"/>
+              <a:t> DDS Micro::</a:t>
+            </a:r>
+            <a:r>
+              <a:rPr lang="en" altLang="ko-KR" dirty="0"/>
+              <a:t>: This is a lightweight, open-source version of the commercial RTI </a:t>
+            </a:r>
+            <a:r>
+              <a:rPr lang="en" altLang="ko-KR" dirty="0" err="1"/>
+              <a:t>Connext</a:t>
+            </a:r>
+            <a:r>
+              <a:rPr lang="en" altLang="ko-KR" dirty="0"/>
+              <a:t> DDS product. It's designed for resource-constrained environments and offers a subset of the full </a:t>
+            </a:r>
+            <a:r>
+              <a:rPr lang="en" altLang="ko-KR" dirty="0" err="1"/>
+              <a:t>Connext</a:t>
+            </a:r>
+            <a:r>
+              <a:rPr lang="en" altLang="ko-KR" dirty="0"/>
+              <a:t> DDS feature set.</a:t>
+            </a:r>
+          </a:p>
+          <a:p>
+            <a:pPr>
+              <a:buFont typeface="Arial" panose="020B0604020202020204" pitchFamily="34" charset="0"/>
+              <a:buChar char="•"/>
+            </a:pPr>
+            <a:r>
+              <a:rPr lang="en" altLang="ko-KR" b="1" dirty="0"/>
+              <a:t>DDS-Router:</a:t>
+            </a:r>
+            <a:r>
+              <a:rPr lang="en" altLang="ko-KR" dirty="0"/>
+              <a:t> This is an open-source project from </a:t>
+            </a:r>
+            <a:r>
+              <a:rPr lang="en" altLang="ko-KR" dirty="0" err="1"/>
+              <a:t>eProsima</a:t>
+            </a:r>
+            <a:r>
+              <a:rPr lang="en" altLang="ko-KR" dirty="0"/>
+              <a:t> that provides routing capabilities for DDS communication. It allows you to connect multiple DDS domains and manage data flow between them.</a:t>
+            </a:r>
+          </a:p>
+          <a:p>
+            <a:pPr>
+              <a:buFont typeface="Arial" panose="020B0604020202020204" pitchFamily="34" charset="0"/>
+              <a:buChar char="•"/>
+            </a:pPr>
+            <a:r>
+              <a:rPr lang="en" altLang="ko-KR" b="1" dirty="0"/>
+              <a:t>Eclipse Cyclone DDS:</a:t>
+            </a:r>
+            <a:r>
+              <a:rPr lang="en" altLang="ko-KR" dirty="0"/>
+              <a:t> This is a relatively new open-source DDS implementation under development by the Eclipse Foundation. It aims to be a high-performance and feature-rich DDS solution.</a:t>
+            </a:r>
+          </a:p>
+          <a:p>
+            <a:r>
+              <a:rPr lang="en" altLang="ko-KR" b="1" dirty="0"/>
+              <a:t>Additionally:</a:t>
+            </a:r>
+            <a:endParaRPr lang="en" altLang="ko-KR" dirty="0"/>
+          </a:p>
+          <a:p>
+            <a:pPr>
+              <a:buFont typeface="Arial" panose="020B0604020202020204" pitchFamily="34" charset="0"/>
+              <a:buChar char="•"/>
+            </a:pPr>
+            <a:r>
+              <a:rPr lang="en" altLang="ko-KR" dirty="0"/>
+              <a:t>It's important to note that some commercial DDS vendors might offer open-source components or limited functionality free versions of their products.</a:t>
+            </a:r>
+          </a:p>
+          <a:p>
+            <a:pPr>
+              <a:buFont typeface="Arial" panose="020B0604020202020204" pitchFamily="34" charset="0"/>
+              <a:buChar char="•"/>
+            </a:pPr>
+            <a:r>
+              <a:rPr lang="en" altLang="ko-KR" dirty="0"/>
+              <a:t>The best open-source DDS product for you will depend on your specific needs and priorities. Consider factors like performance, feature set, ease of use, and community support when making your choice.</a:t>
+            </a:r>
+          </a:p>
+          <a:p>
+            <a:r>
+              <a:rPr lang="en" altLang="ko-KR" dirty="0"/>
+              <a:t>Here are some resources that can help you learn more about open-source DDS products:</a:t>
+            </a:r>
+          </a:p>
+          <a:p>
+            <a:pPr>
+              <a:buFont typeface="Arial" panose="020B0604020202020204" pitchFamily="34" charset="0"/>
+              <a:buChar char="•"/>
+            </a:pPr>
+            <a:r>
+              <a:rPr lang="en" altLang="ko-KR" b="1" dirty="0"/>
+              <a:t>DDS Foundation:</a:t>
+            </a:r>
+            <a:r>
+              <a:rPr lang="en" altLang="ko-KR" dirty="0"/>
+              <a:t> This organization promotes the DDS standard and provides a vendor directory: </a:t>
+            </a:r>
+            <a:r>
+              <a:rPr lang="en" altLang="ko-KR" dirty="0">
+                <a:hlinkClick r:id="rId3"/>
+              </a:rPr>
+              <a:t>https://dds.georgia.gov/</a:t>
+            </a:r>
+            <a:endParaRPr lang="en" altLang="ko-KR" dirty="0"/>
+          </a:p>
+          <a:p>
+            <a:pPr>
+              <a:buFont typeface="Arial" panose="020B0604020202020204" pitchFamily="34" charset="0"/>
+              <a:buChar char="•"/>
+            </a:pPr>
+            <a:r>
+              <a:rPr lang="en" altLang="ko-KR" b="1" dirty="0"/>
+              <a:t>Eclipse Cyclone DDS website:</a:t>
+            </a:r>
+            <a:r>
+              <a:rPr lang="en" altLang="ko-KR" dirty="0"/>
+              <a:t> </a:t>
+            </a:r>
+            <a:r>
+              <a:rPr lang="en" altLang="ko-KR" dirty="0">
+                <a:hlinkClick r:id="rId4"/>
+              </a:rPr>
+              <a:t>https://cyclonedds.io/</a:t>
+            </a:r>
+            <a:endParaRPr lang="en" altLang="ko-KR" dirty="0"/>
+          </a:p>
+        </p:txBody>
+      </p:sp>
+    </p:spTree>
+    <p:extLst>
+      <p:ext uri="{BB962C8B-B14F-4D97-AF65-F5344CB8AC3E}">
+        <p14:creationId xmlns:p14="http://schemas.microsoft.com/office/powerpoint/2010/main" val="1862080343"/>
       </p:ext>
     </p:extLst>
   </p:cSld>
